--- a/doc/presentatie.pptx
+++ b/doc/presentatie.pptx
@@ -112,6 +112,11 @@
       </a:defRPr>
     </a:lvl9pPr>
   </p:defaultTextStyle>
+  <p:extLst>
+    <p:ext uri="{EFAFB233-063F-42B5-8137-9DF3F51BA10A}">
+      <p15:sldGuideLst xmlns:p15="http://schemas.microsoft.com/office/powerpoint/2012/main"/>
+    </p:ext>
+  </p:extLst>
 </p:presentation>
 </file>
 
@@ -6827,6 +6832,20 @@
           <a:p>
             <a:r>
               <a:rPr lang="nl-NL" dirty="0"/>
+              <a:t>Als </a:t>
+            </a:r>
+            <a:r>
+              <a:rPr lang="nl-NL" dirty="0" err="1"/>
+              <a:t>promoter</a:t>
+            </a:r>
+            <a:r>
+              <a:rPr lang="nl-NL" dirty="0"/>
+              <a:t> wil ik kunnen zien of de student actief was  de afgelopen week.</a:t>
+            </a:r>
+          </a:p>
+          <a:p>
+            <a:r>
+              <a:rPr lang="nl-NL" dirty="0"/>
               <a:t>Als promotor wil ik kunnen zien hoe lang geleden de </a:t>
             </a:r>
             <a:r>
@@ -6840,22 +6859,12 @@
           </a:p>
           <a:p>
             <a:r>
+              <a:rPr lang="nl-NL"/>
+              <a:t>Als </a:t>
+            </a:r>
+            <a:r>
               <a:rPr lang="nl-NL" dirty="0"/>
-              <a:t>Als promotor wil ik kunnen zien hoeveel </a:t>
-            </a:r>
-            <a:r>
-              <a:rPr lang="nl-NL" dirty="0" err="1"/>
-              <a:t>commits</a:t>
-            </a:r>
-            <a:r>
-              <a:rPr lang="nl-NL" dirty="0"/>
-              <a:t> er zijn bij gekomen sinds mijn laatste check.</a:t>
-            </a:r>
-          </a:p>
-          <a:p>
-            <a:r>
-              <a:rPr lang="nl-NL" dirty="0"/>
-              <a:t>Als promotor wil ik </a:t>
+              <a:t>promotor wil ik </a:t>
             </a:r>
             <a:r>
               <a:rPr lang="nl-NL" dirty="0" err="1"/>
@@ -7135,7 +7144,6 @@
               <a:rPr lang="nl-NL" sz="6600" dirty="0"/>
               <a:t>DEMO</a:t>
             </a:r>
-            <a:endParaRPr lang="nl-NL" sz="6600" dirty="0"/>
           </a:p>
         </p:txBody>
       </p:sp>

--- a/doc/presentatie.pptx
+++ b/doc/presentatie.pptx
@@ -262,7 +262,7 @@
           <a:p>
             <a:fld id="{256F6073-A50D-470C-A9F7-01BB29B8FE03}" type="datetimeFigureOut">
               <a:rPr lang="nl-NL" smtClean="0"/>
-              <a:t>9-1-2017</a:t>
+              <a:t>10-1-2017</a:t>
             </a:fld>
             <a:endParaRPr lang="nl-NL"/>
           </a:p>
@@ -432,7 +432,7 @@
           <a:p>
             <a:fld id="{256F6073-A50D-470C-A9F7-01BB29B8FE03}" type="datetimeFigureOut">
               <a:rPr lang="nl-NL" smtClean="0"/>
-              <a:t>9-1-2017</a:t>
+              <a:t>10-1-2017</a:t>
             </a:fld>
             <a:endParaRPr lang="nl-NL"/>
           </a:p>
@@ -612,7 +612,7 @@
           <a:p>
             <a:fld id="{256F6073-A50D-470C-A9F7-01BB29B8FE03}" type="datetimeFigureOut">
               <a:rPr lang="nl-NL" smtClean="0"/>
-              <a:t>9-1-2017</a:t>
+              <a:t>10-1-2017</a:t>
             </a:fld>
             <a:endParaRPr lang="nl-NL"/>
           </a:p>
@@ -836,7 +836,7 @@
           <a:p>
             <a:fld id="{256F6073-A50D-470C-A9F7-01BB29B8FE03}" type="datetimeFigureOut">
               <a:rPr lang="nl-NL" smtClean="0"/>
-              <a:t>9-1-2017</a:t>
+              <a:t>10-1-2017</a:t>
             </a:fld>
             <a:endParaRPr lang="nl-NL"/>
           </a:p>
@@ -1006,7 +1006,7 @@
           <a:p>
             <a:fld id="{256F6073-A50D-470C-A9F7-01BB29B8FE03}" type="datetimeFigureOut">
               <a:rPr lang="nl-NL" smtClean="0"/>
-              <a:t>9-1-2017</a:t>
+              <a:t>10-1-2017</a:t>
             </a:fld>
             <a:endParaRPr lang="nl-NL"/>
           </a:p>
@@ -1274,7 +1274,7 @@
           <a:p>
             <a:fld id="{256F6073-A50D-470C-A9F7-01BB29B8FE03}" type="datetimeFigureOut">
               <a:rPr lang="nl-NL" smtClean="0"/>
-              <a:t>9-1-2017</a:t>
+              <a:t>10-1-2017</a:t>
             </a:fld>
             <a:endParaRPr lang="nl-NL"/>
           </a:p>
@@ -1506,7 +1506,7 @@
           <a:p>
             <a:fld id="{256F6073-A50D-470C-A9F7-01BB29B8FE03}" type="datetimeFigureOut">
               <a:rPr lang="nl-NL" smtClean="0"/>
-              <a:t>9-1-2017</a:t>
+              <a:t>10-1-2017</a:t>
             </a:fld>
             <a:endParaRPr lang="nl-NL"/>
           </a:p>
@@ -1861,7 +1861,7 @@
           <a:p>
             <a:fld id="{256F6073-A50D-470C-A9F7-01BB29B8FE03}" type="datetimeFigureOut">
               <a:rPr lang="nl-NL" smtClean="0"/>
-              <a:t>9-1-2017</a:t>
+              <a:t>10-1-2017</a:t>
             </a:fld>
             <a:endParaRPr lang="nl-NL"/>
           </a:p>
@@ -2002,7 +2002,7 @@
           <a:p>
             <a:fld id="{256F6073-A50D-470C-A9F7-01BB29B8FE03}" type="datetimeFigureOut">
               <a:rPr lang="nl-NL" smtClean="0"/>
-              <a:t>9-1-2017</a:t>
+              <a:t>10-1-2017</a:t>
             </a:fld>
             <a:endParaRPr lang="nl-NL"/>
           </a:p>
@@ -2097,7 +2097,7 @@
           <a:p>
             <a:fld id="{256F6073-A50D-470C-A9F7-01BB29B8FE03}" type="datetimeFigureOut">
               <a:rPr lang="nl-NL" smtClean="0"/>
-              <a:t>9-1-2017</a:t>
+              <a:t>10-1-2017</a:t>
             </a:fld>
             <a:endParaRPr lang="nl-NL"/>
           </a:p>
@@ -2454,7 +2454,7 @@
           <a:p>
             <a:fld id="{256F6073-A50D-470C-A9F7-01BB29B8FE03}" type="datetimeFigureOut">
               <a:rPr lang="nl-NL" smtClean="0"/>
-              <a:t>9-1-2017</a:t>
+              <a:t>10-1-2017</a:t>
             </a:fld>
             <a:endParaRPr lang="nl-NL"/>
           </a:p>
@@ -2639,7 +2639,7 @@
           <a:p>
             <a:fld id="{256F6073-A50D-470C-A9F7-01BB29B8FE03}" type="datetimeFigureOut">
               <a:rPr lang="nl-NL" smtClean="0"/>
-              <a:t>9-1-2017</a:t>
+              <a:t>10-1-2017</a:t>
             </a:fld>
             <a:endParaRPr lang="nl-NL"/>
           </a:p>
@@ -2980,7 +2980,7 @@
           <a:p>
             <a:fld id="{256F6073-A50D-470C-A9F7-01BB29B8FE03}" type="datetimeFigureOut">
               <a:rPr lang="nl-NL" smtClean="0"/>
-              <a:t>9-1-2017</a:t>
+              <a:t>10-1-2017</a:t>
             </a:fld>
             <a:endParaRPr lang="nl-NL"/>
           </a:p>
@@ -3165,7 +3165,7 @@
           <a:p>
             <a:fld id="{256F6073-A50D-470C-A9F7-01BB29B8FE03}" type="datetimeFigureOut">
               <a:rPr lang="nl-NL" smtClean="0"/>
-              <a:t>9-1-2017</a:t>
+              <a:t>10-1-2017</a:t>
             </a:fld>
             <a:endParaRPr lang="nl-NL"/>
           </a:p>
@@ -3345,7 +3345,7 @@
           <a:p>
             <a:fld id="{256F6073-A50D-470C-A9F7-01BB29B8FE03}" type="datetimeFigureOut">
               <a:rPr lang="nl-NL" smtClean="0"/>
-              <a:t>9-1-2017</a:t>
+              <a:t>10-1-2017</a:t>
             </a:fld>
             <a:endParaRPr lang="nl-NL"/>
           </a:p>
@@ -3596,7 +3596,7 @@
           <a:p>
             <a:fld id="{256F6073-A50D-470C-A9F7-01BB29B8FE03}" type="datetimeFigureOut">
               <a:rPr lang="nl-NL" smtClean="0"/>
-              <a:t>9-1-2017</a:t>
+              <a:t>10-1-2017</a:t>
             </a:fld>
             <a:endParaRPr lang="nl-NL"/>
           </a:p>
@@ -3828,7 +3828,7 @@
           <a:p>
             <a:fld id="{256F6073-A50D-470C-A9F7-01BB29B8FE03}" type="datetimeFigureOut">
               <a:rPr lang="nl-NL" smtClean="0"/>
-              <a:t>9-1-2017</a:t>
+              <a:t>10-1-2017</a:t>
             </a:fld>
             <a:endParaRPr lang="nl-NL"/>
           </a:p>
@@ -4175,7 +4175,7 @@
           <a:p>
             <a:fld id="{256F6073-A50D-470C-A9F7-01BB29B8FE03}" type="datetimeFigureOut">
               <a:rPr lang="nl-NL" smtClean="0"/>
-              <a:t>9-1-2017</a:t>
+              <a:t>10-1-2017</a:t>
             </a:fld>
             <a:endParaRPr lang="nl-NL"/>
           </a:p>
@@ -4293,7 +4293,7 @@
           <a:p>
             <a:fld id="{256F6073-A50D-470C-A9F7-01BB29B8FE03}" type="datetimeFigureOut">
               <a:rPr lang="nl-NL" smtClean="0"/>
-              <a:t>9-1-2017</a:t>
+              <a:t>10-1-2017</a:t>
             </a:fld>
             <a:endParaRPr lang="nl-NL"/>
           </a:p>
@@ -4411,7 +4411,7 @@
           <a:p>
             <a:fld id="{256F6073-A50D-470C-A9F7-01BB29B8FE03}" type="datetimeFigureOut">
               <a:rPr lang="nl-NL" smtClean="0"/>
-              <a:t>9-1-2017</a:t>
+              <a:t>10-1-2017</a:t>
             </a:fld>
             <a:endParaRPr lang="nl-NL"/>
           </a:p>
@@ -4695,7 +4695,7 @@
           <a:p>
             <a:fld id="{256F6073-A50D-470C-A9F7-01BB29B8FE03}" type="datetimeFigureOut">
               <a:rPr lang="nl-NL" smtClean="0"/>
-              <a:t>9-1-2017</a:t>
+              <a:t>10-1-2017</a:t>
             </a:fld>
             <a:endParaRPr lang="nl-NL"/>
           </a:p>
@@ -4959,7 +4959,7 @@
           <a:p>
             <a:fld id="{256F6073-A50D-470C-A9F7-01BB29B8FE03}" type="datetimeFigureOut">
               <a:rPr lang="nl-NL" smtClean="0"/>
-              <a:t>9-1-2017</a:t>
+              <a:t>10-1-2017</a:t>
             </a:fld>
             <a:endParaRPr lang="nl-NL"/>
           </a:p>
@@ -5173,7 +5173,7 @@
           <a:p>
             <a:fld id="{256F6073-A50D-470C-A9F7-01BB29B8FE03}" type="datetimeFigureOut">
               <a:rPr lang="nl-NL" smtClean="0"/>
-              <a:t>9-1-2017</a:t>
+              <a:t>10-1-2017</a:t>
             </a:fld>
             <a:endParaRPr lang="nl-NL"/>
           </a:p>
@@ -5713,7 +5713,7 @@
           <a:p>
             <a:fld id="{256F6073-A50D-470C-A9F7-01BB29B8FE03}" type="datetimeFigureOut">
               <a:rPr lang="nl-NL" smtClean="0"/>
-              <a:t>9-1-2017</a:t>
+              <a:t>10-1-2017</a:t>
             </a:fld>
             <a:endParaRPr lang="nl-NL"/>
           </a:p>
@@ -6309,13 +6309,7 @@
           <a:p>
             <a:r>
               <a:rPr lang="nl-NL" sz="2000" dirty="0"/>
-              <a:t>Doel</a:t>
-            </a:r>
-          </a:p>
-          <a:p>
-            <a:r>
-              <a:rPr lang="nl-NL" sz="2000" dirty="0"/>
-              <a:t>omschrijving</a:t>
+              <a:t>Projectomschrijving</a:t>
             </a:r>
           </a:p>
         </p:txBody>
@@ -6832,15 +6826,7 @@
           <a:p>
             <a:r>
               <a:rPr lang="nl-NL" dirty="0"/>
-              <a:t>Als </a:t>
-            </a:r>
-            <a:r>
-              <a:rPr lang="nl-NL" dirty="0" err="1"/>
-              <a:t>promoter</a:t>
-            </a:r>
-            <a:r>
-              <a:rPr lang="nl-NL" dirty="0"/>
-              <a:t> wil ik kunnen zien of de student actief was  de afgelopen week.</a:t>
+              <a:t>Als promotor wil ik kunnen zien of de student actief was  de afgelopen week.</a:t>
             </a:r>
           </a:p>
           <a:p>
@@ -6859,20 +6845,22 @@
           </a:p>
           <a:p>
             <a:r>
-              <a:rPr lang="nl-NL"/>
-              <a:t>Als </a:t>
-            </a:r>
-            <a:r>
               <a:rPr lang="nl-NL" dirty="0"/>
-              <a:t>promotor wil ik </a:t>
+              <a:t>Als promotor wil ik alle issues in de </a:t>
             </a:r>
             <a:r>
               <a:rPr lang="nl-NL" dirty="0" err="1"/>
-              <a:t>comments</a:t>
+              <a:t>repo</a:t>
             </a:r>
             <a:r>
               <a:rPr lang="nl-NL" dirty="0"/>
-              <a:t> kunnen leveren op bepaalde </a:t>
+              <a:t> kunnen opvolgen.</a:t>
+            </a:r>
+          </a:p>
+          <a:p>
+            <a:r>
+              <a:rPr lang="nl-NL" dirty="0"/>
+              <a:t>Als promotor wil ik alle </a:t>
             </a:r>
             <a:r>
               <a:rPr lang="nl-NL" dirty="0" err="1"/>
@@ -6880,25 +6868,16 @@
             </a:r>
             <a:r>
               <a:rPr lang="nl-NL" dirty="0"/>
-              <a:t> (algemeen).</a:t>
-            </a:r>
-          </a:p>
-          <a:p>
+              <a:t> in de </a:t>
+            </a:r>
+            <a:r>
+              <a:rPr lang="nl-NL" dirty="0" err="1"/>
+              <a:t>repo</a:t>
+            </a:r>
             <a:r>
               <a:rPr lang="nl-NL" dirty="0"/>
-              <a:t>Als promotor wil ik </a:t>
-            </a:r>
-            <a:r>
-              <a:rPr lang="nl-NL" dirty="0" err="1"/>
-              <a:t>comments</a:t>
-            </a:r>
-            <a:r>
-              <a:rPr lang="nl-NL" dirty="0"/>
-              <a:t> kunnen leveren op bepaalde stukken in de code/scriptie (specifiek).</a:t>
-            </a:r>
-          </a:p>
-          <a:p>
-            <a:endParaRPr lang="nl-NL" dirty="0"/>
+              <a:t> kunnen opvolgen.</a:t>
+            </a:r>
           </a:p>
           <a:p>
             <a:endParaRPr lang="nl-NL" dirty="0"/>
@@ -6992,7 +6971,7 @@
           <a:p>
             <a:r>
               <a:rPr lang="nl-NL" dirty="0"/>
-              <a:t>Als promotor wil ik alle issues in de </a:t>
+              <a:t>Als promotor wil ik een mail krijgen als een student zijn/haar </a:t>
             </a:r>
             <a:r>
               <a:rPr lang="nl-NL" dirty="0" err="1"/>
@@ -7000,7 +6979,61 @@
             </a:r>
             <a:r>
               <a:rPr lang="nl-NL" dirty="0"/>
-              <a:t> kunnen opvolgen.</a:t>
+              <a:t> inactief word.</a:t>
+            </a:r>
+          </a:p>
+          <a:p>
+            <a:r>
+              <a:rPr lang="nl-NL" dirty="0"/>
+              <a:t>Als promotor wil ik een mail krijgen als er een issue is toegevoegd.</a:t>
+            </a:r>
+          </a:p>
+          <a:p>
+            <a:r>
+              <a:rPr lang="nl-NL" dirty="0"/>
+              <a:t>Als promotor wil ik een mail krijgen als er een aanpassing is gedaan aan de scriptie.</a:t>
+            </a:r>
+          </a:p>
+          <a:p>
+            <a:r>
+              <a:rPr lang="nl-NL" dirty="0"/>
+              <a:t>Als promotor wil ik een mail krijgen als er logs bij komen. </a:t>
+            </a:r>
+          </a:p>
+          <a:p>
+            <a:r>
+              <a:rPr lang="nl-NL" dirty="0"/>
+              <a:t>Als promotor wil ik </a:t>
+            </a:r>
+            <a:r>
+              <a:rPr lang="nl-NL" dirty="0" err="1"/>
+              <a:t>comments</a:t>
+            </a:r>
+            <a:r>
+              <a:rPr lang="nl-NL" dirty="0"/>
+              <a:t> kunnen leveren op bepaalde </a:t>
+            </a:r>
+            <a:r>
+              <a:rPr lang="nl-NL" dirty="0" err="1"/>
+              <a:t>commits</a:t>
+            </a:r>
+            <a:r>
+              <a:rPr lang="nl-NL" dirty="0"/>
+              <a:t> (algemeen).</a:t>
+            </a:r>
+          </a:p>
+          <a:p>
+            <a:r>
+              <a:rPr lang="nl-NL" dirty="0"/>
+              <a:t>Als promotor wil ik </a:t>
+            </a:r>
+            <a:r>
+              <a:rPr lang="nl-NL" dirty="0" err="1"/>
+              <a:t>comments</a:t>
+            </a:r>
+            <a:r>
+              <a:rPr lang="nl-NL" dirty="0"/>
+              <a:t> kunnen leveren op bepaalde stukken in de code/scriptie (specifiek).</a:t>
             </a:r>
           </a:p>
           <a:p>
@@ -7026,36 +7059,10 @@
             </a:r>
           </a:p>
           <a:p>
-            <a:r>
-              <a:rPr lang="nl-NL" dirty="0"/>
-              <a:t>Als promotor wil ik een mail krijgen als een student zijn/haar </a:t>
-            </a:r>
-            <a:r>
-              <a:rPr lang="nl-NL" dirty="0" err="1"/>
-              <a:t>repo</a:t>
-            </a:r>
-            <a:r>
-              <a:rPr lang="nl-NL" dirty="0"/>
-              <a:t> inactief word.</a:t>
-            </a:r>
-          </a:p>
-          <a:p>
-            <a:r>
-              <a:rPr lang="nl-NL" dirty="0"/>
-              <a:t>Als promotor wil ik een mail krijgen als er een issue is toegevoegd.</a:t>
-            </a:r>
-          </a:p>
-          <a:p>
-            <a:r>
-              <a:rPr lang="nl-NL" dirty="0"/>
-              <a:t>Als promotor wil ik een mail krijgen als er een aanpassing is gedaan aan de scriptie.</a:t>
-            </a:r>
-          </a:p>
-          <a:p>
-            <a:r>
-              <a:rPr lang="nl-NL" dirty="0"/>
-              <a:t>Als promotor wil ik een mail krijgen als er logs bij komen. </a:t>
-            </a:r>
+            <a:endParaRPr lang="nl-NL" dirty="0"/>
+          </a:p>
+          <a:p>
+            <a:endParaRPr lang="nl-NL" dirty="0"/>
           </a:p>
           <a:p>
             <a:pPr marL="0" indent="0">
